--- a/output/fast_cars.pptx
+++ b/output/fast_cars.pptx
@@ -2259,7 +2259,7 @@
               <a:tblPr/>
               <a:tblGrid>
                 <a:gridCol w="546943"/>
-                <a:gridCol w="753973"/>
+                <a:gridCol w="662533"/>
                 <a:gridCol w="2036887"/>
                 <a:gridCol w="934870"/>
                 <a:gridCol w="547080"/>
